--- a/Architektur eines OCPP-Servers.pptx
+++ b/Architektur eines OCPP-Servers.pptx
@@ -10,7 +10,7 @@
     <p:sldMasterId id="2147483688" r:id="rId6"/>
   </p:sldMasterIdLst>
   <p:notesMasterIdLst>
-    <p:notesMasterId r:id="rId29"/>
+    <p:notesMasterId r:id="rId30"/>
   </p:notesMasterIdLst>
   <p:sldIdLst>
     <p:sldId id="261" r:id="rId7"/>
@@ -34,7 +34,8 @@
     <p:sldId id="278" r:id="rId25"/>
     <p:sldId id="279" r:id="rId26"/>
     <p:sldId id="280" r:id="rId27"/>
-    <p:sldId id="260" r:id="rId28"/>
+    <p:sldId id="281" r:id="rId28"/>
+    <p:sldId id="282" r:id="rId29"/>
   </p:sldIdLst>
   <p:sldSz cx="9144000" cy="6858000" type="screen4x3"/>
   <p:notesSz cx="6858000" cy="9144000"/>
@@ -549,6 +550,344 @@
     </a:lvl9pPr>
   </p:notesStyle>
 </p:notesMaster>
+</file>
+
+<file path=ppt/notesSlides/notesSlide1.xml><?xml version="1.0" encoding="utf-8"?>
+<p:notes xmlns:a="http://schemas.openxmlformats.org/drawingml/2006/main" xmlns:r="http://schemas.openxmlformats.org/officeDocument/2006/relationships" xmlns:p="http://schemas.openxmlformats.org/presentationml/2006/main">
+  <p:cSld>
+    <p:spTree>
+      <p:nvGrpSpPr>
+        <p:cNvPr id="1" name=""/>
+        <p:cNvGrpSpPr/>
+        <p:nvPr/>
+      </p:nvGrpSpPr>
+      <p:grpSpPr>
+        <a:xfrm>
+          <a:off x="0" y="0"/>
+          <a:ext cx="0" cy="0"/>
+          <a:chOff x="0" y="0"/>
+          <a:chExt cx="0" cy="0"/>
+        </a:xfrm>
+      </p:grpSpPr>
+      <p:sp>
+        <p:nvSpPr>
+          <p:cNvPr id="2" name="Folienbildplatzhalter 1"/>
+          <p:cNvSpPr>
+            <a:spLocks noGrp="1" noRot="1" noChangeAspect="1"/>
+          </p:cNvSpPr>
+          <p:nvPr>
+            <p:ph type="sldImg"/>
+          </p:nvPr>
+        </p:nvSpPr>
+        <p:spPr/>
+      </p:sp>
+      <p:sp>
+        <p:nvSpPr>
+          <p:cNvPr id="3" name="Notizenplatzhalter 2"/>
+          <p:cNvSpPr>
+            <a:spLocks noGrp="1"/>
+          </p:cNvSpPr>
+          <p:nvPr>
+            <p:ph type="body" idx="1"/>
+          </p:nvPr>
+        </p:nvSpPr>
+        <p:spPr/>
+        <p:txBody>
+          <a:bodyPr/>
+          <a:lstStyle/>
+          <a:p>
+            <a:pPr marL="0" marR="0" lvl="0" indent="0" algn="l" defTabSz="914400" rtl="0" eaLnBrk="1" fontAlgn="auto" latinLnBrk="0" hangingPunct="1">
+              <a:lnSpc>
+                <a:spcPct val="100000"/>
+              </a:lnSpc>
+              <a:spcBef>
+                <a:spcPts val="0"/>
+              </a:spcBef>
+              <a:spcAft>
+                <a:spcPts val="0"/>
+              </a:spcAft>
+              <a:buClrTx/>
+              <a:buSzTx/>
+              <a:buFontTx/>
+              <a:buNone/>
+              <a:tabLst/>
+              <a:defRPr/>
+            </a:pPr>
+            <a:r>
+              <a:rPr lang="en-US" dirty="0" err="1"/>
+              <a:t>Nicht</a:t>
+            </a:r>
+            <a:r>
+              <a:rPr lang="en-US" dirty="0"/>
+              <a:t> </a:t>
+            </a:r>
+            <a:r>
+              <a:rPr lang="en-US" dirty="0" err="1"/>
+              <a:t>gewinnbringende</a:t>
+            </a:r>
+            <a:r>
+              <a:rPr lang="en-US" dirty="0"/>
+              <a:t> T</a:t>
+            </a:r>
+            <a:r>
+              <a:rPr lang="de-DE" dirty="0" err="1"/>
+              <a:t>ätigkeiten</a:t>
+            </a:r>
+            <a:endParaRPr lang="de-DE" dirty="0"/>
+          </a:p>
+          <a:p>
+            <a:endParaRPr lang="de-DE" dirty="0"/>
+          </a:p>
+        </p:txBody>
+      </p:sp>
+      <p:sp>
+        <p:nvSpPr>
+          <p:cNvPr id="4" name="Foliennummernplatzhalter 3"/>
+          <p:cNvSpPr>
+            <a:spLocks noGrp="1"/>
+          </p:cNvSpPr>
+          <p:nvPr>
+            <p:ph type="sldNum" sz="quarter" idx="5"/>
+          </p:nvPr>
+        </p:nvSpPr>
+        <p:spPr/>
+        <p:txBody>
+          <a:bodyPr/>
+          <a:lstStyle/>
+          <a:p>
+            <a:fld id="{4703A5D1-80BE-4AF1-A18B-8D2CA75BFDA7}" type="slidenum">
+              <a:rPr lang="de-DE" smtClean="0"/>
+              <a:t>7</a:t>
+            </a:fld>
+            <a:endParaRPr lang="de-DE"/>
+          </a:p>
+        </p:txBody>
+      </p:sp>
+    </p:spTree>
+    <p:extLst>
+      <p:ext uri="{BB962C8B-B14F-4D97-AF65-F5344CB8AC3E}">
+        <p14:creationId xmlns:p14="http://schemas.microsoft.com/office/powerpoint/2010/main" val="2110573902"/>
+      </p:ext>
+    </p:extLst>
+  </p:cSld>
+  <p:clrMapOvr>
+    <a:masterClrMapping/>
+  </p:clrMapOvr>
+</p:notes>
+</file>
+
+<file path=ppt/notesSlides/notesSlide2.xml><?xml version="1.0" encoding="utf-8"?>
+<p:notes xmlns:a="http://schemas.openxmlformats.org/drawingml/2006/main" xmlns:r="http://schemas.openxmlformats.org/officeDocument/2006/relationships" xmlns:p="http://schemas.openxmlformats.org/presentationml/2006/main">
+  <p:cSld>
+    <p:spTree>
+      <p:nvGrpSpPr>
+        <p:cNvPr id="1" name=""/>
+        <p:cNvGrpSpPr/>
+        <p:nvPr/>
+      </p:nvGrpSpPr>
+      <p:grpSpPr>
+        <a:xfrm>
+          <a:off x="0" y="0"/>
+          <a:ext cx="0" cy="0"/>
+          <a:chOff x="0" y="0"/>
+          <a:chExt cx="0" cy="0"/>
+        </a:xfrm>
+      </p:grpSpPr>
+      <p:sp>
+        <p:nvSpPr>
+          <p:cNvPr id="2" name="Folienbildplatzhalter 1"/>
+          <p:cNvSpPr>
+            <a:spLocks noGrp="1" noRot="1" noChangeAspect="1"/>
+          </p:cNvSpPr>
+          <p:nvPr>
+            <p:ph type="sldImg"/>
+          </p:nvPr>
+        </p:nvSpPr>
+        <p:spPr/>
+      </p:sp>
+      <p:sp>
+        <p:nvSpPr>
+          <p:cNvPr id="3" name="Notizenplatzhalter 2"/>
+          <p:cNvSpPr>
+            <a:spLocks noGrp="1"/>
+          </p:cNvSpPr>
+          <p:nvPr>
+            <p:ph type="body" idx="1"/>
+          </p:nvPr>
+        </p:nvSpPr>
+        <p:spPr/>
+        <p:txBody>
+          <a:bodyPr/>
+          <a:lstStyle/>
+          <a:p>
+            <a:pPr marL="0" marR="0" lvl="0" indent="0" algn="l" defTabSz="914400" rtl="0" eaLnBrk="1" fontAlgn="auto" latinLnBrk="0" hangingPunct="1">
+              <a:lnSpc>
+                <a:spcPct val="100000"/>
+              </a:lnSpc>
+              <a:spcBef>
+                <a:spcPts val="0"/>
+              </a:spcBef>
+              <a:spcAft>
+                <a:spcPts val="0"/>
+              </a:spcAft>
+              <a:buClrTx/>
+              <a:buSzTx/>
+              <a:buFontTx/>
+              <a:buNone/>
+              <a:tabLst/>
+              <a:defRPr/>
+            </a:pPr>
+            <a:r>
+              <a:rPr lang="de-DE" dirty="0"/>
+              <a:t>Erwähnen, dass die vorgestellte Architektur eine Eigenleistung ist</a:t>
+            </a:r>
+          </a:p>
+          <a:p>
+            <a:endParaRPr lang="de-DE" dirty="0"/>
+          </a:p>
+        </p:txBody>
+      </p:sp>
+      <p:sp>
+        <p:nvSpPr>
+          <p:cNvPr id="4" name="Foliennummernplatzhalter 3"/>
+          <p:cNvSpPr>
+            <a:spLocks noGrp="1"/>
+          </p:cNvSpPr>
+          <p:nvPr>
+            <p:ph type="sldNum" sz="quarter" idx="5"/>
+          </p:nvPr>
+        </p:nvSpPr>
+        <p:spPr/>
+        <p:txBody>
+          <a:bodyPr/>
+          <a:lstStyle/>
+          <a:p>
+            <a:fld id="{4703A5D1-80BE-4AF1-A18B-8D2CA75BFDA7}" type="slidenum">
+              <a:rPr lang="de-DE" smtClean="0"/>
+              <a:t>8</a:t>
+            </a:fld>
+            <a:endParaRPr lang="de-DE"/>
+          </a:p>
+        </p:txBody>
+      </p:sp>
+    </p:spTree>
+    <p:extLst>
+      <p:ext uri="{BB962C8B-B14F-4D97-AF65-F5344CB8AC3E}">
+        <p14:creationId xmlns:p14="http://schemas.microsoft.com/office/powerpoint/2010/main" val="2084306750"/>
+      </p:ext>
+    </p:extLst>
+  </p:cSld>
+  <p:clrMapOvr>
+    <a:masterClrMapping/>
+  </p:clrMapOvr>
+</p:notes>
+</file>
+
+<file path=ppt/notesSlides/notesSlide3.xml><?xml version="1.0" encoding="utf-8"?>
+<p:notes xmlns:a="http://schemas.openxmlformats.org/drawingml/2006/main" xmlns:r="http://schemas.openxmlformats.org/officeDocument/2006/relationships" xmlns:p="http://schemas.openxmlformats.org/presentationml/2006/main">
+  <p:cSld>
+    <p:spTree>
+      <p:nvGrpSpPr>
+        <p:cNvPr id="1" name=""/>
+        <p:cNvGrpSpPr/>
+        <p:nvPr/>
+      </p:nvGrpSpPr>
+      <p:grpSpPr>
+        <a:xfrm>
+          <a:off x="0" y="0"/>
+          <a:ext cx="0" cy="0"/>
+          <a:chOff x="0" y="0"/>
+          <a:chExt cx="0" cy="0"/>
+        </a:xfrm>
+      </p:grpSpPr>
+      <p:sp>
+        <p:nvSpPr>
+          <p:cNvPr id="2" name="Folienbildplatzhalter 1"/>
+          <p:cNvSpPr>
+            <a:spLocks noGrp="1" noRot="1" noChangeAspect="1"/>
+          </p:cNvSpPr>
+          <p:nvPr>
+            <p:ph type="sldImg"/>
+          </p:nvPr>
+        </p:nvSpPr>
+        <p:spPr/>
+      </p:sp>
+      <p:sp>
+        <p:nvSpPr>
+          <p:cNvPr id="3" name="Notizenplatzhalter 2"/>
+          <p:cNvSpPr>
+            <a:spLocks noGrp="1"/>
+          </p:cNvSpPr>
+          <p:nvPr>
+            <p:ph type="body" idx="1"/>
+          </p:nvPr>
+        </p:nvSpPr>
+        <p:spPr/>
+        <p:txBody>
+          <a:bodyPr/>
+          <a:lstStyle/>
+          <a:p>
+            <a:pPr marL="0" marR="0" lvl="0" indent="0" algn="l" defTabSz="914400" rtl="0" eaLnBrk="1" fontAlgn="auto" latinLnBrk="0" hangingPunct="1">
+              <a:lnSpc>
+                <a:spcPct val="100000"/>
+              </a:lnSpc>
+              <a:spcBef>
+                <a:spcPts val="0"/>
+              </a:spcBef>
+              <a:spcAft>
+                <a:spcPts val="0"/>
+              </a:spcAft>
+              <a:buClrTx/>
+              <a:buSzTx/>
+              <a:buFontTx/>
+              <a:buNone/>
+              <a:tabLst/>
+              <a:defRPr/>
+            </a:pPr>
+            <a:r>
+              <a:rPr lang="de-DE" dirty="0"/>
+              <a:t>- Erklären: warum ein Kreis</a:t>
+            </a:r>
+          </a:p>
+          <a:p>
+            <a:endParaRPr lang="de-DE" dirty="0"/>
+          </a:p>
+        </p:txBody>
+      </p:sp>
+      <p:sp>
+        <p:nvSpPr>
+          <p:cNvPr id="4" name="Foliennummernplatzhalter 3"/>
+          <p:cNvSpPr>
+            <a:spLocks noGrp="1"/>
+          </p:cNvSpPr>
+          <p:nvPr>
+            <p:ph type="sldNum" sz="quarter" idx="5"/>
+          </p:nvPr>
+        </p:nvSpPr>
+        <p:spPr/>
+        <p:txBody>
+          <a:bodyPr/>
+          <a:lstStyle/>
+          <a:p>
+            <a:fld id="{4703A5D1-80BE-4AF1-A18B-8D2CA75BFDA7}" type="slidenum">
+              <a:rPr lang="de-DE" smtClean="0"/>
+              <a:t>9</a:t>
+            </a:fld>
+            <a:endParaRPr lang="de-DE"/>
+          </a:p>
+        </p:txBody>
+      </p:sp>
+    </p:spTree>
+    <p:extLst>
+      <p:ext uri="{BB962C8B-B14F-4D97-AF65-F5344CB8AC3E}">
+        <p14:creationId xmlns:p14="http://schemas.microsoft.com/office/powerpoint/2010/main" val="2876639082"/>
+      </p:ext>
+    </p:extLst>
+  </p:cSld>
+  <p:clrMapOvr>
+    <a:masterClrMapping/>
+  </p:clrMapOvr>
+</p:notes>
 </file>
 
 <file path=ppt/slideLayouts/slideLayout1.xml><?xml version="1.0" encoding="utf-8"?>
@@ -7853,32 +8192,32 @@
   <p:extLst>
     <p:ext uri="{27BBF7A9-308A-43DC-89C8-2F10F3537804}">
       <p15:sldGuideLst xmlns:p15="http://schemas.microsoft.com/office/powerpoint/2012/main">
-        <p15:guide id="1" pos="5421" userDrawn="1">
+        <p15:guide id="1" pos="5421">
           <p15:clr>
             <a:srgbClr val="F26B43"/>
           </p15:clr>
         </p15:guide>
-        <p15:guide id="2" pos="339" userDrawn="1">
+        <p15:guide id="2" pos="339">
           <p15:clr>
             <a:srgbClr val="F26B43"/>
           </p15:clr>
         </p15:guide>
-        <p15:guide id="3" orient="horz" pos="273" userDrawn="1">
+        <p15:guide id="3" orient="horz" pos="273">
           <p15:clr>
             <a:srgbClr val="F26B43"/>
           </p15:clr>
         </p15:guide>
-        <p15:guide id="4" orient="horz" pos="3865" userDrawn="1">
+        <p15:guide id="4" orient="horz" pos="3865">
           <p15:clr>
             <a:srgbClr val="F26B43"/>
           </p15:clr>
         </p15:guide>
-        <p15:guide id="5" orient="horz" pos="944" userDrawn="1">
+        <p15:guide id="5" orient="horz" pos="944">
           <p15:clr>
             <a:srgbClr val="F26B43"/>
           </p15:clr>
         </p15:guide>
-        <p15:guide id="6" orient="horz" pos="4117" userDrawn="1">
+        <p15:guide id="6" orient="horz" pos="4117">
           <p15:clr>
             <a:srgbClr val="F26B43"/>
           </p15:clr>
@@ -11942,6 +12281,41 @@
           </a:prstGeom>
         </p:spPr>
       </p:pic>
+      <p:sp>
+        <p:nvSpPr>
+          <p:cNvPr id="7" name="Textfeld 6">
+            <a:extLst>
+              <a:ext uri="{FF2B5EF4-FFF2-40B4-BE49-F238E27FC236}">
+                <a16:creationId xmlns:a16="http://schemas.microsoft.com/office/drawing/2014/main" id="{8D534428-259E-2891-2B7D-A228ED7AB2E0}"/>
+              </a:ext>
+            </a:extLst>
+          </p:cNvPr>
+          <p:cNvSpPr txBox="1"/>
+          <p:nvPr/>
+        </p:nvSpPr>
+        <p:spPr>
+          <a:xfrm>
+            <a:off x="6697059" y="5538503"/>
+            <a:ext cx="2501202" cy="369332"/>
+          </a:xfrm>
+          <a:prstGeom prst="rect">
+            <a:avLst/>
+          </a:prstGeom>
+          <a:noFill/>
+        </p:spPr>
+        <p:txBody>
+          <a:bodyPr wrap="square" rtlCol="0">
+            <a:spAutoFit/>
+          </a:bodyPr>
+          <a:lstStyle/>
+          <a:p>
+            <a:r>
+              <a:rPr lang="de-DE" dirty="0"/>
+              <a:t>Seite 18</a:t>
+            </a:r>
+          </a:p>
+        </p:txBody>
+      </p:sp>
     </p:spTree>
     <p:extLst>
       <p:ext uri="{BB962C8B-B14F-4D97-AF65-F5344CB8AC3E}">
@@ -12148,6 +12522,41 @@
           </a:prstGeom>
         </p:spPr>
       </p:pic>
+      <p:sp>
+        <p:nvSpPr>
+          <p:cNvPr id="8" name="Textfeld 7">
+            <a:extLst>
+              <a:ext uri="{FF2B5EF4-FFF2-40B4-BE49-F238E27FC236}">
+                <a16:creationId xmlns:a16="http://schemas.microsoft.com/office/drawing/2014/main" id="{E990F9C5-879C-46BC-8DCE-9544C8DF3B95}"/>
+              </a:ext>
+            </a:extLst>
+          </p:cNvPr>
+          <p:cNvSpPr txBox="1"/>
+          <p:nvPr/>
+        </p:nvSpPr>
+        <p:spPr>
+          <a:xfrm>
+            <a:off x="6697059" y="5538503"/>
+            <a:ext cx="2501202" cy="369332"/>
+          </a:xfrm>
+          <a:prstGeom prst="rect">
+            <a:avLst/>
+          </a:prstGeom>
+          <a:noFill/>
+        </p:spPr>
+        <p:txBody>
+          <a:bodyPr wrap="square" rtlCol="0">
+            <a:spAutoFit/>
+          </a:bodyPr>
+          <a:lstStyle/>
+          <a:p>
+            <a:r>
+              <a:rPr lang="de-DE" dirty="0"/>
+              <a:t>Seite 30</a:t>
+            </a:r>
+          </a:p>
+        </p:txBody>
+      </p:sp>
     </p:spTree>
     <p:extLst>
       <p:ext uri="{BB962C8B-B14F-4D97-AF65-F5344CB8AC3E}">
@@ -12647,6 +13056,41 @@
           </a:prstGeom>
         </p:spPr>
       </p:pic>
+      <p:sp>
+        <p:nvSpPr>
+          <p:cNvPr id="7" name="Textfeld 6">
+            <a:extLst>
+              <a:ext uri="{FF2B5EF4-FFF2-40B4-BE49-F238E27FC236}">
+                <a16:creationId xmlns:a16="http://schemas.microsoft.com/office/drawing/2014/main" id="{6C5951C9-47A4-7610-C86C-9C014A51EA59}"/>
+              </a:ext>
+            </a:extLst>
+          </p:cNvPr>
+          <p:cNvSpPr txBox="1"/>
+          <p:nvPr/>
+        </p:nvSpPr>
+        <p:spPr>
+          <a:xfrm>
+            <a:off x="6697059" y="5538503"/>
+            <a:ext cx="2501202" cy="369332"/>
+          </a:xfrm>
+          <a:prstGeom prst="rect">
+            <a:avLst/>
+          </a:prstGeom>
+          <a:noFill/>
+        </p:spPr>
+        <p:txBody>
+          <a:bodyPr wrap="square" rtlCol="0">
+            <a:spAutoFit/>
+          </a:bodyPr>
+          <a:lstStyle/>
+          <a:p>
+            <a:r>
+              <a:rPr lang="de-DE" dirty="0"/>
+              <a:t>Seite 32</a:t>
+            </a:r>
+          </a:p>
+        </p:txBody>
+      </p:sp>
     </p:spTree>
     <p:extLst>
       <p:ext uri="{BB962C8B-B14F-4D97-AF65-F5344CB8AC3E}">
@@ -12957,6 +13401,41 @@
           </a:prstGeom>
         </p:spPr>
       </p:pic>
+      <p:sp>
+        <p:nvSpPr>
+          <p:cNvPr id="7" name="Textfeld 6">
+            <a:extLst>
+              <a:ext uri="{FF2B5EF4-FFF2-40B4-BE49-F238E27FC236}">
+                <a16:creationId xmlns:a16="http://schemas.microsoft.com/office/drawing/2014/main" id="{08E25C06-5ABE-D31E-9966-898FC3A4EC28}"/>
+              </a:ext>
+            </a:extLst>
+          </p:cNvPr>
+          <p:cNvSpPr txBox="1"/>
+          <p:nvPr/>
+        </p:nvSpPr>
+        <p:spPr>
+          <a:xfrm>
+            <a:off x="6697059" y="5538503"/>
+            <a:ext cx="2501202" cy="369332"/>
+          </a:xfrm>
+          <a:prstGeom prst="rect">
+            <a:avLst/>
+          </a:prstGeom>
+          <a:noFill/>
+        </p:spPr>
+        <p:txBody>
+          <a:bodyPr wrap="square" rtlCol="0">
+            <a:spAutoFit/>
+          </a:bodyPr>
+          <a:lstStyle/>
+          <a:p>
+            <a:r>
+              <a:rPr lang="de-DE" dirty="0"/>
+              <a:t>Seite 41</a:t>
+            </a:r>
+          </a:p>
+        </p:txBody>
+      </p:sp>
     </p:spTree>
     <p:extLst>
       <p:ext uri="{BB962C8B-B14F-4D97-AF65-F5344CB8AC3E}">
@@ -13115,6 +13594,41 @@
           </a:prstGeom>
         </p:spPr>
       </p:pic>
+      <p:sp>
+        <p:nvSpPr>
+          <p:cNvPr id="3" name="Textfeld 2">
+            <a:extLst>
+              <a:ext uri="{FF2B5EF4-FFF2-40B4-BE49-F238E27FC236}">
+                <a16:creationId xmlns:a16="http://schemas.microsoft.com/office/drawing/2014/main" id="{F0DDE236-4D36-21E8-7952-BA64F3C24164}"/>
+              </a:ext>
+            </a:extLst>
+          </p:cNvPr>
+          <p:cNvSpPr txBox="1"/>
+          <p:nvPr/>
+        </p:nvSpPr>
+        <p:spPr>
+          <a:xfrm>
+            <a:off x="6697059" y="5538503"/>
+            <a:ext cx="2501202" cy="369332"/>
+          </a:xfrm>
+          <a:prstGeom prst="rect">
+            <a:avLst/>
+          </a:prstGeom>
+          <a:noFill/>
+        </p:spPr>
+        <p:txBody>
+          <a:bodyPr wrap="square" rtlCol="0">
+            <a:spAutoFit/>
+          </a:bodyPr>
+          <a:lstStyle/>
+          <a:p>
+            <a:r>
+              <a:rPr lang="de-DE" dirty="0"/>
+              <a:t>Seite 50</a:t>
+            </a:r>
+          </a:p>
+        </p:txBody>
+      </p:sp>
     </p:spTree>
     <p:extLst>
       <p:ext uri="{BB962C8B-B14F-4D97-AF65-F5344CB8AC3E}">
@@ -13330,6 +13844,41 @@
           </a:prstGeom>
         </p:spPr>
       </p:pic>
+      <p:sp>
+        <p:nvSpPr>
+          <p:cNvPr id="7" name="Textfeld 6">
+            <a:extLst>
+              <a:ext uri="{FF2B5EF4-FFF2-40B4-BE49-F238E27FC236}">
+                <a16:creationId xmlns:a16="http://schemas.microsoft.com/office/drawing/2014/main" id="{9B182CB5-53B0-42C5-971D-83222E64B55E}"/>
+              </a:ext>
+            </a:extLst>
+          </p:cNvPr>
+          <p:cNvSpPr txBox="1"/>
+          <p:nvPr/>
+        </p:nvSpPr>
+        <p:spPr>
+          <a:xfrm>
+            <a:off x="6697059" y="5538503"/>
+            <a:ext cx="2501202" cy="369332"/>
+          </a:xfrm>
+          <a:prstGeom prst="rect">
+            <a:avLst/>
+          </a:prstGeom>
+          <a:noFill/>
+        </p:spPr>
+        <p:txBody>
+          <a:bodyPr wrap="square" rtlCol="0">
+            <a:spAutoFit/>
+          </a:bodyPr>
+          <a:lstStyle/>
+          <a:p>
+            <a:r>
+              <a:rPr lang="de-DE" dirty="0"/>
+              <a:t>Seite 51</a:t>
+            </a:r>
+          </a:p>
+        </p:txBody>
+      </p:sp>
     </p:spTree>
     <p:extLst>
       <p:ext uri="{BB962C8B-B14F-4D97-AF65-F5344CB8AC3E}">
@@ -13551,6 +14100,41 @@
           </a:prstGeom>
         </p:spPr>
       </p:pic>
+      <p:sp>
+        <p:nvSpPr>
+          <p:cNvPr id="7" name="Textfeld 6">
+            <a:extLst>
+              <a:ext uri="{FF2B5EF4-FFF2-40B4-BE49-F238E27FC236}">
+                <a16:creationId xmlns:a16="http://schemas.microsoft.com/office/drawing/2014/main" id="{5D5F42C2-FD43-43A3-B81F-79FCF2EF4398}"/>
+              </a:ext>
+            </a:extLst>
+          </p:cNvPr>
+          <p:cNvSpPr txBox="1"/>
+          <p:nvPr/>
+        </p:nvSpPr>
+        <p:spPr>
+          <a:xfrm>
+            <a:off x="6697059" y="5538503"/>
+            <a:ext cx="2501202" cy="369332"/>
+          </a:xfrm>
+          <a:prstGeom prst="rect">
+            <a:avLst/>
+          </a:prstGeom>
+          <a:noFill/>
+        </p:spPr>
+        <p:txBody>
+          <a:bodyPr wrap="square" rtlCol="0">
+            <a:spAutoFit/>
+          </a:bodyPr>
+          <a:lstStyle/>
+          <a:p>
+            <a:r>
+              <a:rPr lang="de-DE" dirty="0"/>
+              <a:t>Seite 52</a:t>
+            </a:r>
+          </a:p>
+        </p:txBody>
+      </p:sp>
     </p:spTree>
     <p:extLst>
       <p:ext uri="{BB962C8B-B14F-4D97-AF65-F5344CB8AC3E}">
@@ -13602,32 +14186,10 @@
           <a:bodyPr/>
           <a:lstStyle/>
           <a:p>
-            <a:endParaRPr lang="de-DE"/>
-          </a:p>
-        </p:txBody>
-      </p:sp>
-      <p:sp>
-        <p:nvSpPr>
-          <p:cNvPr id="3" name="Inhaltsplatzhalter 2">
-            <a:extLst>
-              <a:ext uri="{FF2B5EF4-FFF2-40B4-BE49-F238E27FC236}">
-                <a16:creationId xmlns:a16="http://schemas.microsoft.com/office/drawing/2014/main" id="{3ABB6563-E56E-932C-4CE8-3B281CD395EA}"/>
-              </a:ext>
-            </a:extLst>
-          </p:cNvPr>
-          <p:cNvSpPr>
-            <a:spLocks noGrp="1"/>
-          </p:cNvSpPr>
-          <p:nvPr>
-            <p:ph idx="1"/>
-          </p:nvPr>
-        </p:nvSpPr>
-        <p:spPr/>
-        <p:txBody>
-          <a:bodyPr/>
-          <a:lstStyle/>
-          <a:p>
-            <a:endParaRPr lang="de-DE"/>
+            <a:r>
+              <a:rPr lang="de-DE" dirty="0"/>
+              <a:t>Library</a:t>
+            </a:r>
           </a:p>
         </p:txBody>
       </p:sp>
@@ -13685,6 +14247,113 @@
               <a:t>18</a:t>
             </a:fld>
             <a:endParaRPr lang="de-DE"/>
+          </a:p>
+        </p:txBody>
+      </p:sp>
+      <p:pic>
+        <p:nvPicPr>
+          <p:cNvPr id="6" name="Grafik 5">
+            <a:extLst>
+              <a:ext uri="{FF2B5EF4-FFF2-40B4-BE49-F238E27FC236}">
+                <a16:creationId xmlns:a16="http://schemas.microsoft.com/office/drawing/2014/main" id="{36EE0D13-C9EA-6AF1-8092-9A349E9E9F11}"/>
+              </a:ext>
+            </a:extLst>
+          </p:cNvPr>
+          <p:cNvPicPr>
+            <a:picLocks noChangeAspect="1"/>
+          </p:cNvPicPr>
+          <p:nvPr/>
+        </p:nvPicPr>
+        <p:blipFill>
+          <a:blip r:embed="rId2">
+            <a:extLst>
+              <a:ext uri="{28A0092B-C50C-407E-A947-70E740481C1C}">
+                <a14:useLocalDpi xmlns:a14="http://schemas.microsoft.com/office/drawing/2010/main" val="0"/>
+              </a:ext>
+            </a:extLst>
+          </a:blip>
+          <a:stretch>
+            <a:fillRect/>
+          </a:stretch>
+        </p:blipFill>
+        <p:spPr>
+          <a:xfrm>
+            <a:off x="-4906" y="1075276"/>
+            <a:ext cx="4684908" cy="3404065"/>
+          </a:xfrm>
+          <a:prstGeom prst="rect">
+            <a:avLst/>
+          </a:prstGeom>
+        </p:spPr>
+      </p:pic>
+      <p:pic>
+        <p:nvPicPr>
+          <p:cNvPr id="7" name="Grafik 6">
+            <a:extLst>
+              <a:ext uri="{FF2B5EF4-FFF2-40B4-BE49-F238E27FC236}">
+                <a16:creationId xmlns:a16="http://schemas.microsoft.com/office/drawing/2014/main" id="{626DE103-9D1A-1721-4B4D-EA5EC4074526}"/>
+              </a:ext>
+            </a:extLst>
+          </p:cNvPr>
+          <p:cNvPicPr>
+            <a:picLocks noChangeAspect="1"/>
+          </p:cNvPicPr>
+          <p:nvPr/>
+        </p:nvPicPr>
+        <p:blipFill>
+          <a:blip r:embed="rId3">
+            <a:extLst>
+              <a:ext uri="{28A0092B-C50C-407E-A947-70E740481C1C}">
+                <a14:useLocalDpi xmlns:a14="http://schemas.microsoft.com/office/drawing/2010/main" val="0"/>
+              </a:ext>
+            </a:extLst>
+          </a:blip>
+          <a:stretch>
+            <a:fillRect/>
+          </a:stretch>
+        </p:blipFill>
+        <p:spPr>
+          <a:xfrm>
+            <a:off x="4656719" y="1261543"/>
+            <a:ext cx="4080680" cy="4080680"/>
+          </a:xfrm>
+          <a:prstGeom prst="rect">
+            <a:avLst/>
+          </a:prstGeom>
+        </p:spPr>
+      </p:pic>
+      <p:sp>
+        <p:nvSpPr>
+          <p:cNvPr id="8" name="Textfeld 7">
+            <a:extLst>
+              <a:ext uri="{FF2B5EF4-FFF2-40B4-BE49-F238E27FC236}">
+                <a16:creationId xmlns:a16="http://schemas.microsoft.com/office/drawing/2014/main" id="{0A976240-5883-197F-5865-190C1F645953}"/>
+              </a:ext>
+            </a:extLst>
+          </p:cNvPr>
+          <p:cNvSpPr txBox="1"/>
+          <p:nvPr/>
+        </p:nvSpPr>
+        <p:spPr>
+          <a:xfrm>
+            <a:off x="6697059" y="5538503"/>
+            <a:ext cx="2501202" cy="369332"/>
+          </a:xfrm>
+          <a:prstGeom prst="rect">
+            <a:avLst/>
+          </a:prstGeom>
+          <a:noFill/>
+        </p:spPr>
+        <p:txBody>
+          <a:bodyPr wrap="square" rtlCol="0">
+            <a:spAutoFit/>
+          </a:bodyPr>
+          <a:lstStyle/>
+          <a:p>
+            <a:r>
+              <a:rPr lang="de-DE" dirty="0"/>
+              <a:t>Seite 53</a:t>
+            </a:r>
           </a:p>
         </p:txBody>
       </p:sp>
@@ -13739,32 +14408,10 @@
           <a:bodyPr/>
           <a:lstStyle/>
           <a:p>
-            <a:endParaRPr lang="de-DE"/>
-          </a:p>
-        </p:txBody>
-      </p:sp>
-      <p:sp>
-        <p:nvSpPr>
-          <p:cNvPr id="3" name="Inhaltsplatzhalter 2">
-            <a:extLst>
-              <a:ext uri="{FF2B5EF4-FFF2-40B4-BE49-F238E27FC236}">
-                <a16:creationId xmlns:a16="http://schemas.microsoft.com/office/drawing/2014/main" id="{0E09DB6D-B71B-B025-24BF-5E06F841B174}"/>
-              </a:ext>
-            </a:extLst>
-          </p:cNvPr>
-          <p:cNvSpPr>
-            <a:spLocks noGrp="1"/>
-          </p:cNvSpPr>
-          <p:nvPr>
-            <p:ph idx="1"/>
-          </p:nvPr>
-        </p:nvSpPr>
-        <p:spPr/>
-        <p:txBody>
-          <a:bodyPr/>
-          <a:lstStyle/>
-          <a:p>
-            <a:endParaRPr lang="de-DE"/>
+            <a:r>
+              <a:rPr lang="de-DE" dirty="0"/>
+              <a:t>Framework</a:t>
+            </a:r>
           </a:p>
         </p:txBody>
       </p:sp>
@@ -13822,6 +14469,113 @@
               <a:t>19</a:t>
             </a:fld>
             <a:endParaRPr lang="de-DE"/>
+          </a:p>
+        </p:txBody>
+      </p:sp>
+      <p:pic>
+        <p:nvPicPr>
+          <p:cNvPr id="6" name="Grafik 5">
+            <a:extLst>
+              <a:ext uri="{FF2B5EF4-FFF2-40B4-BE49-F238E27FC236}">
+                <a16:creationId xmlns:a16="http://schemas.microsoft.com/office/drawing/2014/main" id="{0FCEE5EA-8855-7AA6-7D2B-AC27ADDF745D}"/>
+              </a:ext>
+            </a:extLst>
+          </p:cNvPr>
+          <p:cNvPicPr>
+            <a:picLocks noChangeAspect="1"/>
+          </p:cNvPicPr>
+          <p:nvPr/>
+        </p:nvPicPr>
+        <p:blipFill>
+          <a:blip r:embed="rId2">
+            <a:extLst>
+              <a:ext uri="{28A0092B-C50C-407E-A947-70E740481C1C}">
+                <a14:useLocalDpi xmlns:a14="http://schemas.microsoft.com/office/drawing/2010/main" val="0"/>
+              </a:ext>
+            </a:extLst>
+          </a:blip>
+          <a:stretch>
+            <a:fillRect/>
+          </a:stretch>
+        </p:blipFill>
+        <p:spPr>
+          <a:xfrm>
+            <a:off x="53555" y="2161064"/>
+            <a:ext cx="4626447" cy="2535870"/>
+          </a:xfrm>
+          <a:prstGeom prst="rect">
+            <a:avLst/>
+          </a:prstGeom>
+        </p:spPr>
+      </p:pic>
+      <p:pic>
+        <p:nvPicPr>
+          <p:cNvPr id="7" name="Grafik 6">
+            <a:extLst>
+              <a:ext uri="{FF2B5EF4-FFF2-40B4-BE49-F238E27FC236}">
+                <a16:creationId xmlns:a16="http://schemas.microsoft.com/office/drawing/2014/main" id="{3DD8A769-89C9-3FCF-F82D-9ECC7B7E9EBB}"/>
+              </a:ext>
+            </a:extLst>
+          </p:cNvPr>
+          <p:cNvPicPr>
+            <a:picLocks noChangeAspect="1"/>
+          </p:cNvPicPr>
+          <p:nvPr/>
+        </p:nvPicPr>
+        <p:blipFill>
+          <a:blip r:embed="rId3">
+            <a:extLst>
+              <a:ext uri="{28A0092B-C50C-407E-A947-70E740481C1C}">
+                <a14:useLocalDpi xmlns:a14="http://schemas.microsoft.com/office/drawing/2010/main" val="0"/>
+              </a:ext>
+            </a:extLst>
+          </a:blip>
+          <a:stretch>
+            <a:fillRect/>
+          </a:stretch>
+        </p:blipFill>
+        <p:spPr>
+          <a:xfrm>
+            <a:off x="4680002" y="1195592"/>
+            <a:ext cx="4195440" cy="4222595"/>
+          </a:xfrm>
+          <a:prstGeom prst="rect">
+            <a:avLst/>
+          </a:prstGeom>
+        </p:spPr>
+      </p:pic>
+      <p:sp>
+        <p:nvSpPr>
+          <p:cNvPr id="8" name="Textfeld 7">
+            <a:extLst>
+              <a:ext uri="{FF2B5EF4-FFF2-40B4-BE49-F238E27FC236}">
+                <a16:creationId xmlns:a16="http://schemas.microsoft.com/office/drawing/2014/main" id="{E1D59383-9534-4309-F87E-18BD0A11AE0E}"/>
+              </a:ext>
+            </a:extLst>
+          </p:cNvPr>
+          <p:cNvSpPr txBox="1"/>
+          <p:nvPr/>
+        </p:nvSpPr>
+        <p:spPr>
+          <a:xfrm>
+            <a:off x="6697059" y="5538503"/>
+            <a:ext cx="2501202" cy="369332"/>
+          </a:xfrm>
+          <a:prstGeom prst="rect">
+            <a:avLst/>
+          </a:prstGeom>
+          <a:noFill/>
+        </p:spPr>
+        <p:txBody>
+          <a:bodyPr wrap="square" rtlCol="0">
+            <a:spAutoFit/>
+          </a:bodyPr>
+          <a:lstStyle/>
+          <a:p>
+            <a:r>
+              <a:rPr lang="de-DE" dirty="0"/>
+              <a:t>Seite 55</a:t>
+            </a:r>
           </a:p>
         </p:txBody>
       </p:sp>
@@ -14117,32 +14871,10 @@
           <a:bodyPr/>
           <a:lstStyle/>
           <a:p>
-            <a:endParaRPr lang="de-DE"/>
-          </a:p>
-        </p:txBody>
-      </p:sp>
-      <p:sp>
-        <p:nvSpPr>
-          <p:cNvPr id="3" name="Inhaltsplatzhalter 2">
-            <a:extLst>
-              <a:ext uri="{FF2B5EF4-FFF2-40B4-BE49-F238E27FC236}">
-                <a16:creationId xmlns:a16="http://schemas.microsoft.com/office/drawing/2014/main" id="{3ABB6563-E56E-932C-4CE8-3B281CD395EA}"/>
-              </a:ext>
-            </a:extLst>
-          </p:cNvPr>
-          <p:cNvSpPr>
-            <a:spLocks noGrp="1"/>
-          </p:cNvSpPr>
-          <p:nvPr>
-            <p:ph idx="1"/>
-          </p:nvPr>
-        </p:nvSpPr>
-        <p:spPr/>
-        <p:txBody>
-          <a:bodyPr/>
-          <a:lstStyle/>
-          <a:p>
-            <a:endParaRPr lang="de-DE"/>
+            <a:r>
+              <a:rPr lang="de-DE" dirty="0"/>
+              <a:t>Ergebnis</a:t>
+            </a:r>
           </a:p>
         </p:txBody>
       </p:sp>
@@ -14200,6 +14932,467 @@
               <a:t>20</a:t>
             </a:fld>
             <a:endParaRPr lang="de-DE"/>
+          </a:p>
+        </p:txBody>
+      </p:sp>
+      <p:graphicFrame>
+        <p:nvGraphicFramePr>
+          <p:cNvPr id="7" name="Tabelle 4">
+            <a:extLst>
+              <a:ext uri="{FF2B5EF4-FFF2-40B4-BE49-F238E27FC236}">
+                <a16:creationId xmlns:a16="http://schemas.microsoft.com/office/drawing/2014/main" id="{0D23B2C8-7E37-86B1-D277-84E0CE3D7B90}"/>
+              </a:ext>
+            </a:extLst>
+          </p:cNvPr>
+          <p:cNvGraphicFramePr>
+            <a:graphicFrameLocks noGrp="1"/>
+          </p:cNvGraphicFramePr>
+          <p:nvPr>
+            <p:extLst>
+              <p:ext uri="{D42A27DB-BD31-4B8C-83A1-F6EECF244321}">
+                <p14:modId xmlns:p14="http://schemas.microsoft.com/office/powerpoint/2010/main" val="3692758775"/>
+              </p:ext>
+            </p:extLst>
+          </p:nvPr>
+        </p:nvGraphicFramePr>
+        <p:xfrm>
+          <a:off x="508000" y="1403506"/>
+          <a:ext cx="8128000" cy="3200400"/>
+        </p:xfrm>
+        <a:graphic>
+          <a:graphicData uri="http://schemas.openxmlformats.org/drawingml/2006/table">
+            <a:tbl>
+              <a:tblPr firstRow="1" bandRow="1">
+                <a:tableStyleId>{93296810-A885-4BE3-A3E7-6D5BEEA58F35}</a:tableStyleId>
+              </a:tblPr>
+              <a:tblGrid>
+                <a:gridCol w="1625600">
+                  <a:extLst>
+                    <a:ext uri="{9D8B030D-6E8A-4147-A177-3AD203B41FA5}">
+                      <a16:colId xmlns:a16="http://schemas.microsoft.com/office/drawing/2014/main" val="1909173314"/>
+                    </a:ext>
+                  </a:extLst>
+                </a:gridCol>
+                <a:gridCol w="1625600">
+                  <a:extLst>
+                    <a:ext uri="{9D8B030D-6E8A-4147-A177-3AD203B41FA5}">
+                      <a16:colId xmlns:a16="http://schemas.microsoft.com/office/drawing/2014/main" val="2070097049"/>
+                    </a:ext>
+                  </a:extLst>
+                </a:gridCol>
+                <a:gridCol w="1625600">
+                  <a:extLst>
+                    <a:ext uri="{9D8B030D-6E8A-4147-A177-3AD203B41FA5}">
+                      <a16:colId xmlns:a16="http://schemas.microsoft.com/office/drawing/2014/main" val="2247001544"/>
+                    </a:ext>
+                  </a:extLst>
+                </a:gridCol>
+                <a:gridCol w="1625600">
+                  <a:extLst>
+                    <a:ext uri="{9D8B030D-6E8A-4147-A177-3AD203B41FA5}">
+                      <a16:colId xmlns:a16="http://schemas.microsoft.com/office/drawing/2014/main" val="663850433"/>
+                    </a:ext>
+                  </a:extLst>
+                </a:gridCol>
+                <a:gridCol w="1625600">
+                  <a:extLst>
+                    <a:ext uri="{9D8B030D-6E8A-4147-A177-3AD203B41FA5}">
+                      <a16:colId xmlns:a16="http://schemas.microsoft.com/office/drawing/2014/main" val="2136831294"/>
+                    </a:ext>
+                  </a:extLst>
+                </a:gridCol>
+              </a:tblGrid>
+              <a:tr h="370840">
+                <a:tc>
+                  <a:txBody>
+                    <a:bodyPr/>
+                    <a:lstStyle/>
+                    <a:p>
+                      <a:endParaRPr lang="de-DE" dirty="0"/>
+                    </a:p>
+                  </a:txBody>
+                  <a:tcPr/>
+                </a:tc>
+                <a:tc>
+                  <a:txBody>
+                    <a:bodyPr/>
+                    <a:lstStyle/>
+                    <a:p>
+                      <a:r>
+                        <a:rPr lang="de-DE" dirty="0" err="1"/>
+                        <a:t>Standalone</a:t>
+                      </a:r>
+                      <a:r>
+                        <a:rPr lang="de-DE" dirty="0"/>
+                        <a:t> mit DB </a:t>
+                      </a:r>
+                    </a:p>
+                  </a:txBody>
+                  <a:tcPr/>
+                </a:tc>
+                <a:tc>
+                  <a:txBody>
+                    <a:bodyPr/>
+                    <a:lstStyle/>
+                    <a:p>
+                      <a:r>
+                        <a:rPr lang="de-DE" dirty="0" err="1"/>
+                        <a:t>Standalone</a:t>
+                      </a:r>
+                      <a:r>
+                        <a:rPr lang="de-DE" dirty="0"/>
+                        <a:t> ohne DB</a:t>
+                      </a:r>
+                    </a:p>
+                  </a:txBody>
+                  <a:tcPr/>
+                </a:tc>
+                <a:tc>
+                  <a:txBody>
+                    <a:bodyPr/>
+                    <a:lstStyle/>
+                    <a:p>
+                      <a:r>
+                        <a:rPr lang="de-DE" dirty="0"/>
+                        <a:t>Framework</a:t>
+                      </a:r>
+                    </a:p>
+                  </a:txBody>
+                  <a:tcPr/>
+                </a:tc>
+                <a:tc>
+                  <a:txBody>
+                    <a:bodyPr/>
+                    <a:lstStyle/>
+                    <a:p>
+                      <a:r>
+                        <a:rPr lang="de-DE" dirty="0"/>
+                        <a:t>Library</a:t>
+                      </a:r>
+                    </a:p>
+                  </a:txBody>
+                  <a:tcPr/>
+                </a:tc>
+                <a:extLst>
+                  <a:ext uri="{0D108BD9-81ED-4DB2-BD59-A6C34878D82A}">
+                    <a16:rowId xmlns:a16="http://schemas.microsoft.com/office/drawing/2014/main" val="4201650252"/>
+                  </a:ext>
+                </a:extLst>
+              </a:tr>
+              <a:tr h="370840">
+                <a:tc>
+                  <a:txBody>
+                    <a:bodyPr/>
+                    <a:lstStyle/>
+                    <a:p>
+                      <a:r>
+                        <a:rPr lang="de-DE" dirty="0" err="1"/>
+                        <a:t>Standalone</a:t>
+                      </a:r>
+                      <a:r>
+                        <a:rPr lang="de-DE" dirty="0"/>
+                        <a:t> mit DB</a:t>
+                      </a:r>
+                    </a:p>
+                  </a:txBody>
+                  <a:tcPr/>
+                </a:tc>
+                <a:tc>
+                  <a:txBody>
+                    <a:bodyPr/>
+                    <a:lstStyle/>
+                    <a:p>
+                      <a:r>
+                        <a:rPr lang="de-DE" dirty="0"/>
+                        <a:t>28.466 (100%)</a:t>
+                      </a:r>
+                    </a:p>
+                  </a:txBody>
+                  <a:tcPr/>
+                </a:tc>
+                <a:tc>
+                  <a:txBody>
+                    <a:bodyPr/>
+                    <a:lstStyle/>
+                    <a:p>
+                      <a:endParaRPr lang="de-DE" dirty="0"/>
+                    </a:p>
+                  </a:txBody>
+                  <a:tcPr/>
+                </a:tc>
+                <a:tc>
+                  <a:txBody>
+                    <a:bodyPr/>
+                    <a:lstStyle/>
+                    <a:p>
+                      <a:endParaRPr lang="de-DE" dirty="0"/>
+                    </a:p>
+                  </a:txBody>
+                  <a:tcPr/>
+                </a:tc>
+                <a:tc>
+                  <a:txBody>
+                    <a:bodyPr/>
+                    <a:lstStyle/>
+                    <a:p>
+                      <a:endParaRPr lang="de-DE" dirty="0"/>
+                    </a:p>
+                  </a:txBody>
+                  <a:tcPr/>
+                </a:tc>
+                <a:extLst>
+                  <a:ext uri="{0D108BD9-81ED-4DB2-BD59-A6C34878D82A}">
+                    <a16:rowId xmlns:a16="http://schemas.microsoft.com/office/drawing/2014/main" val="3808879543"/>
+                  </a:ext>
+                </a:extLst>
+              </a:tr>
+              <a:tr h="370840">
+                <a:tc>
+                  <a:txBody>
+                    <a:bodyPr/>
+                    <a:lstStyle/>
+                    <a:p>
+                      <a:r>
+                        <a:rPr lang="de-DE" dirty="0" err="1"/>
+                        <a:t>Standalone</a:t>
+                      </a:r>
+                      <a:r>
+                        <a:rPr lang="de-DE" dirty="0"/>
+                        <a:t> ohne DB</a:t>
+                      </a:r>
+                    </a:p>
+                  </a:txBody>
+                  <a:tcPr/>
+                </a:tc>
+                <a:tc>
+                  <a:txBody>
+                    <a:bodyPr/>
+                    <a:lstStyle/>
+                    <a:p>
+                      <a:r>
+                        <a:rPr lang="de-DE" dirty="0"/>
+                        <a:t>26.210 (92.1%)</a:t>
+                      </a:r>
+                    </a:p>
+                  </a:txBody>
+                  <a:tcPr/>
+                </a:tc>
+                <a:tc>
+                  <a:txBody>
+                    <a:bodyPr/>
+                    <a:lstStyle/>
+                    <a:p>
+                      <a:r>
+                        <a:rPr lang="de-DE" dirty="0"/>
+                        <a:t>26.417 (100%)</a:t>
+                      </a:r>
+                    </a:p>
+                  </a:txBody>
+                  <a:tcPr/>
+                </a:tc>
+                <a:tc>
+                  <a:txBody>
+                    <a:bodyPr/>
+                    <a:lstStyle/>
+                    <a:p>
+                      <a:endParaRPr lang="de-DE"/>
+                    </a:p>
+                  </a:txBody>
+                  <a:tcPr/>
+                </a:tc>
+                <a:tc>
+                  <a:txBody>
+                    <a:bodyPr/>
+                    <a:lstStyle/>
+                    <a:p>
+                      <a:endParaRPr lang="de-DE" dirty="0"/>
+                    </a:p>
+                  </a:txBody>
+                  <a:tcPr/>
+                </a:tc>
+                <a:extLst>
+                  <a:ext uri="{0D108BD9-81ED-4DB2-BD59-A6C34878D82A}">
+                    <a16:rowId xmlns:a16="http://schemas.microsoft.com/office/drawing/2014/main" val="2767661973"/>
+                  </a:ext>
+                </a:extLst>
+              </a:tr>
+              <a:tr h="370840">
+                <a:tc>
+                  <a:txBody>
+                    <a:bodyPr/>
+                    <a:lstStyle/>
+                    <a:p>
+                      <a:r>
+                        <a:rPr lang="de-DE" dirty="0"/>
+                        <a:t>Framework</a:t>
+                      </a:r>
+                    </a:p>
+                  </a:txBody>
+                  <a:tcPr/>
+                </a:tc>
+                <a:tc>
+                  <a:txBody>
+                    <a:bodyPr/>
+                    <a:lstStyle/>
+                    <a:p>
+                      <a:r>
+                        <a:rPr lang="de-DE" dirty="0"/>
+                        <a:t>25.799 (90.6%)</a:t>
+                      </a:r>
+                    </a:p>
+                  </a:txBody>
+                  <a:tcPr/>
+                </a:tc>
+                <a:tc>
+                  <a:txBody>
+                    <a:bodyPr/>
+                    <a:lstStyle/>
+                    <a:p>
+                      <a:r>
+                        <a:rPr lang="de-DE" dirty="0"/>
+                        <a:t>25.972 (98.3%)</a:t>
+                      </a:r>
+                    </a:p>
+                  </a:txBody>
+                  <a:tcPr/>
+                </a:tc>
+                <a:tc>
+                  <a:txBody>
+                    <a:bodyPr/>
+                    <a:lstStyle/>
+                    <a:p>
+                      <a:r>
+                        <a:rPr lang="de-DE" dirty="0"/>
+                        <a:t>26.888 (100%)</a:t>
+                      </a:r>
+                    </a:p>
+                  </a:txBody>
+                  <a:tcPr/>
+                </a:tc>
+                <a:tc>
+                  <a:txBody>
+                    <a:bodyPr/>
+                    <a:lstStyle/>
+                    <a:p>
+                      <a:endParaRPr lang="de-DE"/>
+                    </a:p>
+                  </a:txBody>
+                  <a:tcPr/>
+                </a:tc>
+                <a:extLst>
+                  <a:ext uri="{0D108BD9-81ED-4DB2-BD59-A6C34878D82A}">
+                    <a16:rowId xmlns:a16="http://schemas.microsoft.com/office/drawing/2014/main" val="2663887983"/>
+                  </a:ext>
+                </a:extLst>
+              </a:tr>
+              <a:tr h="370840">
+                <a:tc>
+                  <a:txBody>
+                    <a:bodyPr/>
+                    <a:lstStyle/>
+                    <a:p>
+                      <a:r>
+                        <a:rPr lang="de-DE" dirty="0"/>
+                        <a:t>Library</a:t>
+                      </a:r>
+                    </a:p>
+                  </a:txBody>
+                  <a:tcPr/>
+                </a:tc>
+                <a:tc>
+                  <a:txBody>
+                    <a:bodyPr/>
+                    <a:lstStyle/>
+                    <a:p>
+                      <a:r>
+                        <a:rPr lang="de-DE" dirty="0"/>
+                        <a:t>25.799 (90.6%)</a:t>
+                      </a:r>
+                    </a:p>
+                  </a:txBody>
+                  <a:tcPr/>
+                </a:tc>
+                <a:tc>
+                  <a:txBody>
+                    <a:bodyPr/>
+                    <a:lstStyle/>
+                    <a:p>
+                      <a:r>
+                        <a:rPr lang="de-DE" dirty="0"/>
+                        <a:t>25.972 (98.3%)</a:t>
+                      </a:r>
+                    </a:p>
+                  </a:txBody>
+                  <a:tcPr/>
+                </a:tc>
+                <a:tc>
+                  <a:txBody>
+                    <a:bodyPr/>
+                    <a:lstStyle/>
+                    <a:p>
+                      <a:r>
+                        <a:rPr lang="de-DE" dirty="0"/>
+                        <a:t>25.799 (95.9%)</a:t>
+                      </a:r>
+                    </a:p>
+                  </a:txBody>
+                  <a:tcPr/>
+                </a:tc>
+                <a:tc>
+                  <a:txBody>
+                    <a:bodyPr/>
+                    <a:lstStyle/>
+                    <a:p>
+                      <a:r>
+                        <a:rPr lang="de-DE" dirty="0"/>
+                        <a:t>26.112 (100%)</a:t>
+                      </a:r>
+                    </a:p>
+                  </a:txBody>
+                  <a:tcPr/>
+                </a:tc>
+                <a:extLst>
+                  <a:ext uri="{0D108BD9-81ED-4DB2-BD59-A6C34878D82A}">
+                    <a16:rowId xmlns:a16="http://schemas.microsoft.com/office/drawing/2014/main" val="4134119321"/>
+                  </a:ext>
+                </a:extLst>
+              </a:tr>
+            </a:tbl>
+          </a:graphicData>
+        </a:graphic>
+      </p:graphicFrame>
+      <p:sp>
+        <p:nvSpPr>
+          <p:cNvPr id="8" name="Textfeld 7">
+            <a:extLst>
+              <a:ext uri="{FF2B5EF4-FFF2-40B4-BE49-F238E27FC236}">
+                <a16:creationId xmlns:a16="http://schemas.microsoft.com/office/drawing/2014/main" id="{C899DED1-2986-3B2B-8369-B49E425CDE10}"/>
+              </a:ext>
+            </a:extLst>
+          </p:cNvPr>
+          <p:cNvSpPr txBox="1"/>
+          <p:nvPr/>
+        </p:nvSpPr>
+        <p:spPr>
+          <a:xfrm>
+            <a:off x="6697059" y="5538503"/>
+            <a:ext cx="2501202" cy="369332"/>
+          </a:xfrm>
+          <a:prstGeom prst="rect">
+            <a:avLst/>
+          </a:prstGeom>
+          <a:noFill/>
+        </p:spPr>
+        <p:txBody>
+          <a:bodyPr wrap="square" rtlCol="0">
+            <a:spAutoFit/>
+          </a:bodyPr>
+          <a:lstStyle/>
+          <a:p>
+            <a:r>
+              <a:rPr lang="de-DE" dirty="0"/>
+              <a:t>Seite 57</a:t>
+            </a:r>
           </a:p>
         </p:txBody>
       </p:sp>
@@ -14254,32 +15447,10 @@
           <a:bodyPr/>
           <a:lstStyle/>
           <a:p>
-            <a:endParaRPr lang="de-DE"/>
-          </a:p>
-        </p:txBody>
-      </p:sp>
-      <p:sp>
-        <p:nvSpPr>
-          <p:cNvPr id="3" name="Inhaltsplatzhalter 2">
-            <a:extLst>
-              <a:ext uri="{FF2B5EF4-FFF2-40B4-BE49-F238E27FC236}">
-                <a16:creationId xmlns:a16="http://schemas.microsoft.com/office/drawing/2014/main" id="{0E09DB6D-B71B-B025-24BF-5E06F841B174}"/>
-              </a:ext>
-            </a:extLst>
-          </p:cNvPr>
-          <p:cNvSpPr>
-            <a:spLocks noGrp="1"/>
-          </p:cNvSpPr>
-          <p:nvPr>
-            <p:ph idx="1"/>
-          </p:nvPr>
-        </p:nvSpPr>
-        <p:spPr/>
-        <p:txBody>
-          <a:bodyPr/>
-          <a:lstStyle/>
-          <a:p>
-            <a:endParaRPr lang="de-DE"/>
+            <a:r>
+              <a:rPr lang="de-DE" dirty="0"/>
+              <a:t>Ergebnis</a:t>
+            </a:r>
           </a:p>
         </p:txBody>
       </p:sp>
@@ -14337,6 +15508,254 @@
               <a:t>21</a:t>
             </a:fld>
             <a:endParaRPr lang="de-DE"/>
+          </a:p>
+        </p:txBody>
+      </p:sp>
+      <p:graphicFrame>
+        <p:nvGraphicFramePr>
+          <p:cNvPr id="6" name="Tabelle 4">
+            <a:extLst>
+              <a:ext uri="{FF2B5EF4-FFF2-40B4-BE49-F238E27FC236}">
+                <a16:creationId xmlns:a16="http://schemas.microsoft.com/office/drawing/2014/main" id="{87FE30E9-BC91-688B-748A-62BE388FC76E}"/>
+              </a:ext>
+            </a:extLst>
+          </p:cNvPr>
+          <p:cNvGraphicFramePr>
+            <a:graphicFrameLocks noGrp="1"/>
+          </p:cNvGraphicFramePr>
+          <p:nvPr>
+            <p:ph idx="1"/>
+            <p:extLst>
+              <p:ext uri="{D42A27DB-BD31-4B8C-83A1-F6EECF244321}">
+                <p14:modId xmlns:p14="http://schemas.microsoft.com/office/powerpoint/2010/main" val="3409764839"/>
+              </p:ext>
+            </p:extLst>
+          </p:nvPr>
+        </p:nvGraphicFramePr>
+        <p:xfrm>
+          <a:off x="538163" y="1825625"/>
+          <a:ext cx="8266718" cy="1280160"/>
+        </p:xfrm>
+        <a:graphic>
+          <a:graphicData uri="http://schemas.openxmlformats.org/drawingml/2006/table">
+            <a:tbl>
+              <a:tblPr firstRow="1" bandRow="1">
+                <a:tableStyleId>{93296810-A885-4BE3-A3E7-6D5BEEA58F35}</a:tableStyleId>
+              </a:tblPr>
+              <a:tblGrid>
+                <a:gridCol w="944880">
+                  <a:extLst>
+                    <a:ext uri="{9D8B030D-6E8A-4147-A177-3AD203B41FA5}">
+                      <a16:colId xmlns:a16="http://schemas.microsoft.com/office/drawing/2014/main" val="1138678718"/>
+                    </a:ext>
+                  </a:extLst>
+                </a:gridCol>
+                <a:gridCol w="1830460">
+                  <a:extLst>
+                    <a:ext uri="{9D8B030D-6E8A-4147-A177-3AD203B41FA5}">
+                      <a16:colId xmlns:a16="http://schemas.microsoft.com/office/drawing/2014/main" val="156376825"/>
+                    </a:ext>
+                  </a:extLst>
+                </a:gridCol>
+                <a:gridCol w="1830460">
+                  <a:extLst>
+                    <a:ext uri="{9D8B030D-6E8A-4147-A177-3AD203B41FA5}">
+                      <a16:colId xmlns:a16="http://schemas.microsoft.com/office/drawing/2014/main" val="3476737053"/>
+                    </a:ext>
+                  </a:extLst>
+                </a:gridCol>
+                <a:gridCol w="1302128">
+                  <a:extLst>
+                    <a:ext uri="{9D8B030D-6E8A-4147-A177-3AD203B41FA5}">
+                      <a16:colId xmlns:a16="http://schemas.microsoft.com/office/drawing/2014/main" val="54988391"/>
+                    </a:ext>
+                  </a:extLst>
+                </a:gridCol>
+                <a:gridCol w="2358790">
+                  <a:extLst>
+                    <a:ext uri="{9D8B030D-6E8A-4147-A177-3AD203B41FA5}">
+                      <a16:colId xmlns:a16="http://schemas.microsoft.com/office/drawing/2014/main" val="3732990246"/>
+                    </a:ext>
+                  </a:extLst>
+                </a:gridCol>
+              </a:tblGrid>
+              <a:tr h="482870">
+                <a:tc>
+                  <a:txBody>
+                    <a:bodyPr/>
+                    <a:lstStyle/>
+                    <a:p>
+                      <a:endParaRPr lang="de-DE"/>
+                    </a:p>
+                  </a:txBody>
+                  <a:tcPr/>
+                </a:tc>
+                <a:tc>
+                  <a:txBody>
+                    <a:bodyPr/>
+                    <a:lstStyle/>
+                    <a:p>
+                      <a:r>
+                        <a:rPr lang="de-DE" dirty="0"/>
+                        <a:t>Unittests</a:t>
+                      </a:r>
+                    </a:p>
+                  </a:txBody>
+                  <a:tcPr/>
+                </a:tc>
+                <a:tc>
+                  <a:txBody>
+                    <a:bodyPr/>
+                    <a:lstStyle/>
+                    <a:p>
+                      <a:r>
+                        <a:rPr lang="de-DE" dirty="0"/>
+                        <a:t>Integrationstests</a:t>
+                      </a:r>
+                    </a:p>
+                  </a:txBody>
+                  <a:tcPr/>
+                </a:tc>
+                <a:tc>
+                  <a:txBody>
+                    <a:bodyPr/>
+                    <a:lstStyle/>
+                    <a:p>
+                      <a:r>
+                        <a:rPr lang="de-DE" dirty="0"/>
+                        <a:t>Systemtests</a:t>
+                      </a:r>
+                    </a:p>
+                  </a:txBody>
+                  <a:tcPr/>
+                </a:tc>
+                <a:tc>
+                  <a:txBody>
+                    <a:bodyPr/>
+                    <a:lstStyle/>
+                    <a:p>
+                      <a:r>
+                        <a:rPr lang="de-DE" dirty="0"/>
+                        <a:t>UI-Tests</a:t>
+                      </a:r>
+                    </a:p>
+                  </a:txBody>
+                  <a:tcPr/>
+                </a:tc>
+                <a:extLst>
+                  <a:ext uri="{0D108BD9-81ED-4DB2-BD59-A6C34878D82A}">
+                    <a16:rowId xmlns:a16="http://schemas.microsoft.com/office/drawing/2014/main" val="1930749777"/>
+                  </a:ext>
+                </a:extLst>
+              </a:tr>
+              <a:tr h="482870">
+                <a:tc>
+                  <a:txBody>
+                    <a:bodyPr/>
+                    <a:lstStyle/>
+                    <a:p>
+                      <a:r>
+                        <a:rPr lang="de-DE" dirty="0"/>
+                        <a:t>Anzahl</a:t>
+                      </a:r>
+                    </a:p>
+                  </a:txBody>
+                  <a:tcPr/>
+                </a:tc>
+                <a:tc>
+                  <a:txBody>
+                    <a:bodyPr/>
+                    <a:lstStyle/>
+                    <a:p>
+                      <a:r>
+                        <a:rPr lang="de-DE" dirty="0"/>
+                        <a:t>Etwa 650</a:t>
+                      </a:r>
+                    </a:p>
+                  </a:txBody>
+                  <a:tcPr/>
+                </a:tc>
+                <a:tc>
+                  <a:txBody>
+                    <a:bodyPr/>
+                    <a:lstStyle/>
+                    <a:p>
+                      <a:r>
+                        <a:rPr lang="de-DE" dirty="0"/>
+                        <a:t>Etwa 150</a:t>
+                      </a:r>
+                    </a:p>
+                  </a:txBody>
+                  <a:tcPr/>
+                </a:tc>
+                <a:tc>
+                  <a:txBody>
+                    <a:bodyPr/>
+                    <a:lstStyle/>
+                    <a:p>
+                      <a:r>
+                        <a:rPr lang="de-DE" dirty="0"/>
+                        <a:t>2</a:t>
+                      </a:r>
+                    </a:p>
+                  </a:txBody>
+                  <a:tcPr/>
+                </a:tc>
+                <a:tc>
+                  <a:txBody>
+                    <a:bodyPr/>
+                    <a:lstStyle/>
+                    <a:p>
+                      <a:r>
+                        <a:rPr lang="de-DE" dirty="0"/>
+                        <a:t>0 (UI ist nicht vorhanden)</a:t>
+                      </a:r>
+                    </a:p>
+                  </a:txBody>
+                  <a:tcPr/>
+                </a:tc>
+                <a:extLst>
+                  <a:ext uri="{0D108BD9-81ED-4DB2-BD59-A6C34878D82A}">
+                    <a16:rowId xmlns:a16="http://schemas.microsoft.com/office/drawing/2014/main" val="3634895759"/>
+                  </a:ext>
+                </a:extLst>
+              </a:tr>
+            </a:tbl>
+          </a:graphicData>
+        </a:graphic>
+      </p:graphicFrame>
+      <p:sp>
+        <p:nvSpPr>
+          <p:cNvPr id="7" name="Textfeld 6">
+            <a:extLst>
+              <a:ext uri="{FF2B5EF4-FFF2-40B4-BE49-F238E27FC236}">
+                <a16:creationId xmlns:a16="http://schemas.microsoft.com/office/drawing/2014/main" id="{CD66E9C3-34A3-AA19-382F-3715E800F5CE}"/>
+              </a:ext>
+            </a:extLst>
+          </p:cNvPr>
+          <p:cNvSpPr txBox="1"/>
+          <p:nvPr/>
+        </p:nvSpPr>
+        <p:spPr>
+          <a:xfrm>
+            <a:off x="6697059" y="5538503"/>
+            <a:ext cx="2501202" cy="369332"/>
+          </a:xfrm>
+          <a:prstGeom prst="rect">
+            <a:avLst/>
+          </a:prstGeom>
+          <a:noFill/>
+        </p:spPr>
+        <p:txBody>
+          <a:bodyPr wrap="square" rtlCol="0">
+            <a:spAutoFit/>
+          </a:bodyPr>
+          <a:lstStyle/>
+          <a:p>
+            <a:r>
+              <a:rPr lang="de-DE" dirty="0"/>
+              <a:t>Seite 57</a:t>
+            </a:r>
           </a:p>
         </p:txBody>
       </p:sp>
@@ -14372,7 +15791,13 @@
       </p:grpSpPr>
       <p:sp>
         <p:nvSpPr>
-          <p:cNvPr id="2" name="Titel 1"/>
+          <p:cNvPr id="2" name="Titel 1">
+            <a:extLst>
+              <a:ext uri="{FF2B5EF4-FFF2-40B4-BE49-F238E27FC236}">
+                <a16:creationId xmlns:a16="http://schemas.microsoft.com/office/drawing/2014/main" id="{45D3DE11-8EB0-16C0-5F2D-14428A8EFD3F}"/>
+              </a:ext>
+            </a:extLst>
+          </p:cNvPr>
           <p:cNvSpPr>
             <a:spLocks noGrp="1"/>
           </p:cNvSpPr>
@@ -14380,112 +15805,66 @@
             <p:ph type="title"/>
           </p:nvPr>
         </p:nvSpPr>
-        <p:spPr/>
+        <p:spPr>
+          <a:xfrm>
+            <a:off x="646165" y="2869456"/>
+            <a:ext cx="8067674" cy="712800"/>
+          </a:xfrm>
+        </p:spPr>
         <p:txBody>
           <a:bodyPr/>
           <a:lstStyle/>
           <a:p>
-            <a:r>
-              <a:rPr lang="de-DE" dirty="0"/>
-              <a:t>Die Listenebenen</a:t>
-            </a:r>
-          </a:p>
-        </p:txBody>
-      </p:sp>
-      <p:sp>
-        <p:nvSpPr>
-          <p:cNvPr id="3" name="Inhaltsplatzhalter 2"/>
-          <p:cNvSpPr>
-            <a:spLocks noGrp="1"/>
-          </p:cNvSpPr>
-          <p:nvPr>
-            <p:ph sz="half" idx="2"/>
-          </p:nvPr>
-        </p:nvSpPr>
-        <p:spPr>
-          <a:xfrm>
-            <a:off x="538163" y="1447200"/>
-            <a:ext cx="8067675" cy="2343964"/>
-          </a:xfrm>
-        </p:spPr>
+            <a:pPr algn="ctr"/>
+            <a:r>
+              <a:rPr lang="en-US" dirty="0" err="1"/>
+              <a:t>Danke</a:t>
+            </a:r>
+            <a:r>
+              <a:rPr lang="en-US" dirty="0"/>
+              <a:t> für </a:t>
+            </a:r>
+            <a:r>
+              <a:rPr lang="en-US" dirty="0" err="1"/>
+              <a:t>Ihre</a:t>
+            </a:r>
+            <a:r>
+              <a:rPr lang="en-US" dirty="0"/>
+              <a:t> </a:t>
+            </a:r>
+            <a:r>
+              <a:rPr lang="en-US" dirty="0" err="1"/>
+              <a:t>Aufmerksamkeit</a:t>
+            </a:r>
+            <a:r>
+              <a:rPr lang="en-US" dirty="0"/>
+              <a:t>!</a:t>
+            </a:r>
+            <a:endParaRPr lang="de-DE" dirty="0"/>
+          </a:p>
+        </p:txBody>
+      </p:sp>
+      <p:sp>
+        <p:nvSpPr>
+          <p:cNvPr id="4" name="Fußzeilenplatzhalter 3">
+            <a:extLst>
+              <a:ext uri="{FF2B5EF4-FFF2-40B4-BE49-F238E27FC236}">
+                <a16:creationId xmlns:a16="http://schemas.microsoft.com/office/drawing/2014/main" id="{D460EE23-902A-BA4A-32E2-E299EE0BE52C}"/>
+              </a:ext>
+            </a:extLst>
+          </p:cNvPr>
+          <p:cNvSpPr>
+            <a:spLocks noGrp="1"/>
+          </p:cNvSpPr>
+          <p:nvPr>
+            <p:ph type="ftr" sz="quarter" idx="11"/>
+          </p:nvPr>
+        </p:nvSpPr>
+        <p:spPr/>
         <p:txBody>
           <a:bodyPr/>
           <a:lstStyle/>
           <a:p>
-            <a:pPr lvl="1"/>
-            <a:r>
-              <a:rPr lang="de-DE" dirty="0"/>
-              <a:t>Es stehen vier Textebenen zur Verfügung und sind im Master angelegt. Die einzelnen Ebenen können Sie über die Schaltflächen „Listenebenen erhöhen“ und „Listenebenen verringern“ einstellen!</a:t>
-            </a:r>
-          </a:p>
-          <a:p>
-            <a:pPr lvl="1"/>
-            <a:endParaRPr lang="de-DE" dirty="0"/>
-          </a:p>
-          <a:p>
-            <a:r>
-              <a:rPr lang="de-DE" dirty="0"/>
-              <a:t>Ebene 1, Zwischenheadline, 18 </a:t>
-            </a:r>
-            <a:r>
-              <a:rPr lang="de-DE" dirty="0" err="1"/>
-              <a:t>pt</a:t>
-            </a:r>
-            <a:endParaRPr lang="de-DE" dirty="0"/>
-          </a:p>
-          <a:p>
-            <a:pPr lvl="1"/>
-            <a:r>
-              <a:rPr lang="de-DE" dirty="0"/>
-              <a:t>Ebene 2, ohne Einzug, 18 </a:t>
-            </a:r>
-            <a:r>
-              <a:rPr lang="de-DE" dirty="0" err="1"/>
-              <a:t>pt</a:t>
-            </a:r>
-            <a:endParaRPr lang="de-DE" dirty="0"/>
-          </a:p>
-          <a:p>
-            <a:pPr lvl="2"/>
-            <a:r>
-              <a:rPr lang="de-DE" dirty="0"/>
-              <a:t>Ebene 3, mit Einzug, 18 </a:t>
-            </a:r>
-            <a:r>
-              <a:rPr lang="de-DE" dirty="0" err="1"/>
-              <a:t>pt</a:t>
-            </a:r>
-            <a:endParaRPr lang="de-DE" dirty="0"/>
-          </a:p>
-          <a:p>
-            <a:pPr lvl="3"/>
-            <a:r>
-              <a:rPr lang="de-DE" dirty="0"/>
-              <a:t>Ebene 4, mit Einzug, 18 </a:t>
-            </a:r>
-            <a:r>
-              <a:rPr lang="de-DE" dirty="0" err="1"/>
-              <a:t>pt</a:t>
-            </a:r>
-            <a:endParaRPr lang="de-DE" dirty="0"/>
-          </a:p>
-        </p:txBody>
-      </p:sp>
-      <p:sp>
-        <p:nvSpPr>
-          <p:cNvPr id="4" name="Fußzeilenplatzhalter 3"/>
-          <p:cNvSpPr>
-            <a:spLocks noGrp="1"/>
-          </p:cNvSpPr>
-          <p:nvPr>
-            <p:ph type="ftr" sz="quarter" idx="11"/>
-          </p:nvPr>
-        </p:nvSpPr>
-        <p:spPr/>
-        <p:txBody>
-          <a:bodyPr/>
-          <a:lstStyle/>
-          <a:p>
             <a:r>
               <a:rPr lang="de-DE"/>
               <a:t>Titel Vorname Name, Bereich Fakultät, ggf. Institut/Professur</a:t>
@@ -14495,7 +15874,13 @@
       </p:sp>
       <p:sp>
         <p:nvSpPr>
-          <p:cNvPr id="5" name="Foliennummernplatzhalter 4"/>
+          <p:cNvPr id="5" name="Foliennummernplatzhalter 4">
+            <a:extLst>
+              <a:ext uri="{FF2B5EF4-FFF2-40B4-BE49-F238E27FC236}">
+                <a16:creationId xmlns:a16="http://schemas.microsoft.com/office/drawing/2014/main" id="{FB0B2FEF-90A9-312B-8EB1-8A6B02843772}"/>
+              </a:ext>
+            </a:extLst>
+          </p:cNvPr>
           <p:cNvSpPr>
             <a:spLocks noGrp="1"/>
           </p:cNvSpPr>
@@ -14516,143 +15901,186 @@
           </a:p>
         </p:txBody>
       </p:sp>
-      <p:pic>
-        <p:nvPicPr>
-          <p:cNvPr id="10" name="Bild 6">
+    </p:spTree>
+    <p:extLst>
+      <p:ext uri="{BB962C8B-B14F-4D97-AF65-F5344CB8AC3E}">
+        <p14:creationId xmlns:p14="http://schemas.microsoft.com/office/powerpoint/2010/main" val="3401391262"/>
+      </p:ext>
+    </p:extLst>
+  </p:cSld>
+  <p:clrMapOvr>
+    <a:masterClrMapping/>
+  </p:clrMapOvr>
+</p:sld>
+</file>
+
+<file path=ppt/slides/slide23.xml><?xml version="1.0" encoding="utf-8"?>
+<p:sld xmlns:a="http://schemas.openxmlformats.org/drawingml/2006/main" xmlns:r="http://schemas.openxmlformats.org/officeDocument/2006/relationships" xmlns:p="http://schemas.openxmlformats.org/presentationml/2006/main">
+  <p:cSld>
+    <p:spTree>
+      <p:nvGrpSpPr>
+        <p:cNvPr id="1" name=""/>
+        <p:cNvGrpSpPr/>
+        <p:nvPr/>
+      </p:nvGrpSpPr>
+      <p:grpSpPr>
+        <a:xfrm>
+          <a:off x="0" y="0"/>
+          <a:ext cx="0" cy="0"/>
+          <a:chOff x="0" y="0"/>
+          <a:chExt cx="0" cy="0"/>
+        </a:xfrm>
+      </p:grpSpPr>
+      <p:sp>
+        <p:nvSpPr>
+          <p:cNvPr id="2" name="Titel 1">
             <a:extLst>
               <a:ext uri="{FF2B5EF4-FFF2-40B4-BE49-F238E27FC236}">
-                <a16:creationId xmlns:a16="http://schemas.microsoft.com/office/drawing/2014/main" id="{245B6172-18F2-4D0A-8190-44E55FAD28D9}"/>
+                <a16:creationId xmlns:a16="http://schemas.microsoft.com/office/drawing/2014/main" id="{094161D0-1BB4-6F31-D68F-3C701F86D4A5}"/>
               </a:ext>
             </a:extLst>
           </p:cNvPr>
-          <p:cNvPicPr>
-            <a:picLocks noChangeAspect="1"/>
-          </p:cNvPicPr>
+          <p:cNvSpPr>
+            <a:spLocks noGrp="1"/>
+          </p:cNvSpPr>
+          <p:nvPr>
+            <p:ph type="title"/>
+          </p:nvPr>
+        </p:nvSpPr>
+        <p:spPr/>
+        <p:txBody>
+          <a:bodyPr/>
+          <a:lstStyle/>
+          <a:p>
+            <a:r>
+              <a:rPr lang="en-US" dirty="0" err="1"/>
+              <a:t>Abbildungsverzeichnis</a:t>
+            </a:r>
+            <a:endParaRPr lang="de-DE" dirty="0"/>
+          </a:p>
+        </p:txBody>
+      </p:sp>
+      <p:sp>
+        <p:nvSpPr>
+          <p:cNvPr id="4" name="Fußzeilenplatzhalter 3">
+            <a:extLst>
+              <a:ext uri="{FF2B5EF4-FFF2-40B4-BE49-F238E27FC236}">
+                <a16:creationId xmlns:a16="http://schemas.microsoft.com/office/drawing/2014/main" id="{C7E252FB-5E9D-5148-B9D1-83097C388DA2}"/>
+              </a:ext>
+            </a:extLst>
+          </p:cNvPr>
+          <p:cNvSpPr>
+            <a:spLocks noGrp="1"/>
+          </p:cNvSpPr>
+          <p:nvPr>
+            <p:ph type="ftr" sz="quarter" idx="11"/>
+          </p:nvPr>
+        </p:nvSpPr>
+        <p:spPr/>
+        <p:txBody>
+          <a:bodyPr/>
+          <a:lstStyle/>
+          <a:p>
+            <a:r>
+              <a:rPr lang="de-DE" dirty="0"/>
+              <a:t>Titel Vorname Name, Bereich Fakultät, ggf. Institut/Professur</a:t>
+            </a:r>
+          </a:p>
+        </p:txBody>
+      </p:sp>
+      <p:sp>
+        <p:nvSpPr>
+          <p:cNvPr id="5" name="Foliennummernplatzhalter 4">
+            <a:extLst>
+              <a:ext uri="{FF2B5EF4-FFF2-40B4-BE49-F238E27FC236}">
+                <a16:creationId xmlns:a16="http://schemas.microsoft.com/office/drawing/2014/main" id="{52F15576-F701-40D2-7754-79FA3FC34955}"/>
+              </a:ext>
+            </a:extLst>
+          </p:cNvPr>
+          <p:cNvSpPr>
+            <a:spLocks noGrp="1"/>
+          </p:cNvSpPr>
+          <p:nvPr>
+            <p:ph type="sldNum" sz="quarter" idx="12"/>
+          </p:nvPr>
+        </p:nvSpPr>
+        <p:spPr/>
+        <p:txBody>
+          <a:bodyPr/>
+          <a:lstStyle/>
+          <a:p>
+            <a:fld id="{5DDB454C-C8BB-450C-A446-EA3D813FE484}" type="slidenum">
+              <a:rPr lang="de-DE" smtClean="0"/>
+              <a:t>23</a:t>
+            </a:fld>
+            <a:endParaRPr lang="de-DE"/>
+          </a:p>
+        </p:txBody>
+      </p:sp>
+      <p:sp>
+        <p:nvSpPr>
+          <p:cNvPr id="7" name="Textfeld 6">
+            <a:extLst>
+              <a:ext uri="{FF2B5EF4-FFF2-40B4-BE49-F238E27FC236}">
+                <a16:creationId xmlns:a16="http://schemas.microsoft.com/office/drawing/2014/main" id="{CD66E9C3-34A3-AA19-382F-3715E800F5CE}"/>
+              </a:ext>
+            </a:extLst>
+          </p:cNvPr>
+          <p:cNvSpPr txBox="1"/>
           <p:nvPr/>
-        </p:nvPicPr>
-        <p:blipFill>
-          <a:blip r:embed="rId2">
-            <a:extLst>
-              <a:ext uri="{28A0092B-C50C-407E-A947-70E740481C1C}">
-                <a14:useLocalDpi xmlns:a14="http://schemas.microsoft.com/office/drawing/2010/main" val="0"/>
-              </a:ext>
-            </a:extLst>
-          </a:blip>
-          <a:stretch>
-            <a:fillRect/>
-          </a:stretch>
-        </p:blipFill>
+        </p:nvSpPr>
         <p:spPr>
           <a:xfrm>
-            <a:off x="541337" y="4554316"/>
-            <a:ext cx="8064502" cy="1285369"/>
+            <a:off x="6697059" y="5538503"/>
+            <a:ext cx="2501202" cy="369332"/>
           </a:xfrm>
           <a:prstGeom prst="rect">
             <a:avLst/>
           </a:prstGeom>
-          <a:ln w="12700" cmpd="sng">
-            <a:noFill/>
-          </a:ln>
+          <a:noFill/>
         </p:spPr>
-      </p:pic>
-      <p:sp>
-        <p:nvSpPr>
-          <p:cNvPr id="11" name="Ellipse 10">
+        <p:txBody>
+          <a:bodyPr wrap="square" rtlCol="0">
+            <a:spAutoFit/>
+          </a:bodyPr>
+          <a:lstStyle/>
+          <a:p>
+            <a:r>
+              <a:rPr lang="de-DE" dirty="0"/>
+              <a:t>Seite 57</a:t>
+            </a:r>
+          </a:p>
+        </p:txBody>
+      </p:sp>
+      <p:sp>
+        <p:nvSpPr>
+          <p:cNvPr id="8" name="Inhaltsplatzhalter 7">
             <a:extLst>
               <a:ext uri="{FF2B5EF4-FFF2-40B4-BE49-F238E27FC236}">
-                <a16:creationId xmlns:a16="http://schemas.microsoft.com/office/drawing/2014/main" id="{BFC0E2D0-3A17-4BFB-A3B1-3E1D105B9332}"/>
+                <a16:creationId xmlns:a16="http://schemas.microsoft.com/office/drawing/2014/main" id="{3E8BB129-F073-2874-4732-55B83D607D2B}"/>
               </a:ext>
             </a:extLst>
           </p:cNvPr>
-          <p:cNvSpPr/>
-          <p:nvPr/>
-        </p:nvSpPr>
-        <p:spPr>
-          <a:xfrm>
-            <a:off x="6676638" y="4945894"/>
-            <a:ext cx="507932" cy="507932"/>
-          </a:xfrm>
-          <a:prstGeom prst="ellipse">
-            <a:avLst/>
-          </a:prstGeom>
-          <a:noFill/>
-          <a:ln w="31750">
-            <a:solidFill>
-              <a:schemeClr val="accent2"/>
-            </a:solidFill>
-          </a:ln>
-        </p:spPr>
-        <p:style>
-          <a:lnRef idx="2">
-            <a:schemeClr val="accent1">
-              <a:shade val="50000"/>
-            </a:schemeClr>
-          </a:lnRef>
-          <a:fillRef idx="1">
-            <a:schemeClr val="accent1"/>
-          </a:fillRef>
-          <a:effectRef idx="0">
-            <a:schemeClr val="accent1"/>
-          </a:effectRef>
-          <a:fontRef idx="minor">
-            <a:schemeClr val="lt1"/>
-          </a:fontRef>
-        </p:style>
-        <p:txBody>
-          <a:bodyPr rtlCol="0" anchor="ctr"/>
+          <p:cNvSpPr>
+            <a:spLocks noGrp="1"/>
+          </p:cNvSpPr>
+          <p:nvPr>
+            <p:ph idx="1"/>
+          </p:nvPr>
+        </p:nvSpPr>
+        <p:spPr/>
+        <p:txBody>
+          <a:bodyPr/>
           <a:lstStyle/>
           <a:p>
-            <a:pPr algn="ctr"/>
-            <a:endParaRPr lang="de-DE"/>
-          </a:p>
-        </p:txBody>
-      </p:sp>
-      <p:cxnSp>
-        <p:nvCxnSpPr>
-          <p:cNvPr id="12" name="Gerade Verbindung mit Pfeil 11">
-            <a:extLst>
-              <a:ext uri="{FF2B5EF4-FFF2-40B4-BE49-F238E27FC236}">
-                <a16:creationId xmlns:a16="http://schemas.microsoft.com/office/drawing/2014/main" id="{97A3FDA5-4DA2-48CE-9BFE-49A8BC8E01BF}"/>
-              </a:ext>
-            </a:extLst>
-          </p:cNvPr>
-          <p:cNvCxnSpPr/>
-          <p:nvPr/>
-        </p:nvCxnSpPr>
-        <p:spPr>
-          <a:xfrm>
-            <a:off x="6929568" y="4305714"/>
-            <a:ext cx="0" cy="458283"/>
-          </a:xfrm>
-          <a:prstGeom prst="straightConnector1">
-            <a:avLst/>
-          </a:prstGeom>
-          <a:ln w="31750">
-            <a:solidFill>
-              <a:schemeClr val="accent2"/>
-            </a:solidFill>
-            <a:tailEnd type="arrow"/>
-          </a:ln>
-        </p:spPr>
-        <p:style>
-          <a:lnRef idx="1">
-            <a:schemeClr val="accent1"/>
-          </a:lnRef>
-          <a:fillRef idx="0">
-            <a:schemeClr val="accent1"/>
-          </a:fillRef>
-          <a:effectRef idx="0">
-            <a:schemeClr val="accent1"/>
-          </a:effectRef>
-          <a:fontRef idx="minor">
-            <a:schemeClr val="tx1"/>
-          </a:fontRef>
-        </p:style>
-      </p:cxnSp>
+            <a:endParaRPr lang="de-DE" dirty="0"/>
+          </a:p>
+        </p:txBody>
+      </p:sp>
     </p:spTree>
     <p:extLst>
       <p:ext uri="{BB962C8B-B14F-4D97-AF65-F5344CB8AC3E}">
-        <p14:creationId xmlns:p14="http://schemas.microsoft.com/office/powerpoint/2010/main" val="607293032"/>
+        <p14:creationId xmlns:p14="http://schemas.microsoft.com/office/powerpoint/2010/main" val="1251659867"/>
       </p:ext>
     </p:extLst>
   </p:cSld>
@@ -15164,6 +16592,41 @@
           </a:p>
         </p:txBody>
       </p:sp>
+      <p:sp>
+        <p:nvSpPr>
+          <p:cNvPr id="6" name="Textfeld 5">
+            <a:extLst>
+              <a:ext uri="{FF2B5EF4-FFF2-40B4-BE49-F238E27FC236}">
+                <a16:creationId xmlns:a16="http://schemas.microsoft.com/office/drawing/2014/main" id="{7FDC3177-1C5B-6C66-A8DA-9FDF19C122F7}"/>
+              </a:ext>
+            </a:extLst>
+          </p:cNvPr>
+          <p:cNvSpPr txBox="1"/>
+          <p:nvPr/>
+        </p:nvSpPr>
+        <p:spPr>
+          <a:xfrm>
+            <a:off x="6697059" y="5538503"/>
+            <a:ext cx="2501202" cy="369332"/>
+          </a:xfrm>
+          <a:prstGeom prst="rect">
+            <a:avLst/>
+          </a:prstGeom>
+          <a:noFill/>
+        </p:spPr>
+        <p:txBody>
+          <a:bodyPr wrap="square" rtlCol="0">
+            <a:spAutoFit/>
+          </a:bodyPr>
+          <a:lstStyle/>
+          <a:p>
+            <a:r>
+              <a:rPr lang="de-DE" dirty="0"/>
+              <a:t>Seite 2</a:t>
+            </a:r>
+          </a:p>
+        </p:txBody>
+      </p:sp>
     </p:spTree>
     <p:extLst>
       <p:ext uri="{BB962C8B-B14F-4D97-AF65-F5344CB8AC3E}">
@@ -15315,6 +16778,41 @@
           </a:prstGeom>
         </p:spPr>
       </p:pic>
+      <p:sp>
+        <p:nvSpPr>
+          <p:cNvPr id="3" name="Textfeld 2">
+            <a:extLst>
+              <a:ext uri="{FF2B5EF4-FFF2-40B4-BE49-F238E27FC236}">
+                <a16:creationId xmlns:a16="http://schemas.microsoft.com/office/drawing/2014/main" id="{B5CD8225-CB97-FA25-416F-358FE1954C3E}"/>
+              </a:ext>
+            </a:extLst>
+          </p:cNvPr>
+          <p:cNvSpPr txBox="1"/>
+          <p:nvPr/>
+        </p:nvSpPr>
+        <p:spPr>
+          <a:xfrm>
+            <a:off x="6697059" y="5538503"/>
+            <a:ext cx="2501202" cy="369332"/>
+          </a:xfrm>
+          <a:prstGeom prst="rect">
+            <a:avLst/>
+          </a:prstGeom>
+          <a:noFill/>
+        </p:spPr>
+        <p:txBody>
+          <a:bodyPr wrap="square" rtlCol="0">
+            <a:spAutoFit/>
+          </a:bodyPr>
+          <a:lstStyle/>
+          <a:p>
+            <a:r>
+              <a:rPr lang="de-DE" dirty="0"/>
+              <a:t>Seite 6</a:t>
+            </a:r>
+          </a:p>
+        </p:txBody>
+      </p:sp>
     </p:spTree>
     <p:extLst>
       <p:ext uri="{BB962C8B-B14F-4D97-AF65-F5344CB8AC3E}">
@@ -15564,6 +17062,41 @@
           </a:p>
         </p:txBody>
       </p:sp>
+      <p:sp>
+        <p:nvSpPr>
+          <p:cNvPr id="6" name="Textfeld 5">
+            <a:extLst>
+              <a:ext uri="{FF2B5EF4-FFF2-40B4-BE49-F238E27FC236}">
+                <a16:creationId xmlns:a16="http://schemas.microsoft.com/office/drawing/2014/main" id="{4A31E01D-496B-14E7-2342-D81DD2FEDA6B}"/>
+              </a:ext>
+            </a:extLst>
+          </p:cNvPr>
+          <p:cNvSpPr txBox="1"/>
+          <p:nvPr/>
+        </p:nvSpPr>
+        <p:spPr>
+          <a:xfrm>
+            <a:off x="6697059" y="5538503"/>
+            <a:ext cx="2501202" cy="369332"/>
+          </a:xfrm>
+          <a:prstGeom prst="rect">
+            <a:avLst/>
+          </a:prstGeom>
+          <a:noFill/>
+        </p:spPr>
+        <p:txBody>
+          <a:bodyPr wrap="square" rtlCol="0">
+            <a:spAutoFit/>
+          </a:bodyPr>
+          <a:lstStyle/>
+          <a:p>
+            <a:r>
+              <a:rPr lang="de-DE" dirty="0"/>
+              <a:t>Seite 4</a:t>
+            </a:r>
+          </a:p>
+        </p:txBody>
+      </p:sp>
     </p:spTree>
     <p:extLst>
       <p:ext uri="{BB962C8B-B14F-4D97-AF65-F5344CB8AC3E}">
@@ -15672,10 +17205,12 @@
           <a:bodyPr/>
           <a:lstStyle/>
           <a:p>
-            <a:pPr>
+            <a:pPr marL="285750" indent="-285750">
               <a:lnSpc>
                 <a:spcPct val="150000"/>
               </a:lnSpc>
+              <a:buFont typeface="Arial" panose="020B0604020202020204" pitchFamily="34" charset="0"/>
+              <a:buChar char="•"/>
             </a:pPr>
             <a:r>
               <a:rPr lang="de-DE" b="0" dirty="0"/>
@@ -15683,10 +17218,12 @@
             </a:r>
           </a:p>
           <a:p>
-            <a:pPr>
+            <a:pPr marL="285750" indent="-285750">
               <a:lnSpc>
                 <a:spcPct val="150000"/>
               </a:lnSpc>
+              <a:buFont typeface="Arial" panose="020B0604020202020204" pitchFamily="34" charset="0"/>
+              <a:buChar char="•"/>
             </a:pPr>
             <a:r>
               <a:rPr lang="de-DE" b="0" dirty="0"/>
@@ -15694,10 +17231,12 @@
             </a:r>
           </a:p>
           <a:p>
-            <a:pPr>
+            <a:pPr marL="285750" indent="-285750">
               <a:lnSpc>
                 <a:spcPct val="150000"/>
               </a:lnSpc>
+              <a:buFont typeface="Arial" panose="020B0604020202020204" pitchFamily="34" charset="0"/>
+              <a:buChar char="•"/>
             </a:pPr>
             <a:r>
               <a:rPr lang="de-DE" b="0" dirty="0"/>
@@ -15705,10 +17244,12 @@
             </a:r>
           </a:p>
           <a:p>
-            <a:pPr>
+            <a:pPr marL="285750" indent="-285750">
               <a:lnSpc>
                 <a:spcPct val="150000"/>
               </a:lnSpc>
+              <a:buFont typeface="Arial" panose="020B0604020202020204" pitchFamily="34" charset="0"/>
+              <a:buChar char="•"/>
             </a:pPr>
             <a:r>
               <a:rPr lang="de-DE" b="0" dirty="0"/>
@@ -15716,10 +17257,12 @@
             </a:r>
           </a:p>
           <a:p>
-            <a:pPr>
+            <a:pPr marL="285750" indent="-285750">
               <a:lnSpc>
                 <a:spcPct val="150000"/>
               </a:lnSpc>
+              <a:buFont typeface="Arial" panose="020B0604020202020204" pitchFamily="34" charset="0"/>
+              <a:buChar char="•"/>
             </a:pPr>
             <a:r>
               <a:rPr lang="de-DE" b="0" dirty="0"/>
@@ -15785,6 +17328,41 @@
               <a:t>7</a:t>
             </a:fld>
             <a:endParaRPr lang="de-DE"/>
+          </a:p>
+        </p:txBody>
+      </p:sp>
+      <p:sp>
+        <p:nvSpPr>
+          <p:cNvPr id="6" name="Textfeld 5">
+            <a:extLst>
+              <a:ext uri="{FF2B5EF4-FFF2-40B4-BE49-F238E27FC236}">
+                <a16:creationId xmlns:a16="http://schemas.microsoft.com/office/drawing/2014/main" id="{C1BEE185-9FFB-0A56-B12F-AD12764B215D}"/>
+              </a:ext>
+            </a:extLst>
+          </p:cNvPr>
+          <p:cNvSpPr txBox="1"/>
+          <p:nvPr/>
+        </p:nvSpPr>
+        <p:spPr>
+          <a:xfrm>
+            <a:off x="6697059" y="5538503"/>
+            <a:ext cx="2501202" cy="369332"/>
+          </a:xfrm>
+          <a:prstGeom prst="rect">
+            <a:avLst/>
+          </a:prstGeom>
+          <a:noFill/>
+        </p:spPr>
+        <p:txBody>
+          <a:bodyPr wrap="square" rtlCol="0">
+            <a:spAutoFit/>
+          </a:bodyPr>
+          <a:lstStyle/>
+          <a:p>
+            <a:r>
+              <a:rPr lang="de-DE" dirty="0"/>
+              <a:t>Seite 4</a:t>
+            </a:r>
           </a:p>
         </p:txBody>
       </p:sp>
@@ -16286,7 +17864,7 @@
           <p:nvPr/>
         </p:nvPicPr>
         <p:blipFill>
-          <a:blip r:embed="rId2">
+          <a:blip r:embed="rId3">
             <a:extLst>
               <a:ext uri="{28A0092B-C50C-407E-A947-70E740481C1C}">
                 <a14:useLocalDpi xmlns:a14="http://schemas.microsoft.com/office/drawing/2010/main" val="0"/>
@@ -16307,6 +17885,41 @@
           </a:prstGeom>
         </p:spPr>
       </p:pic>
+      <p:sp>
+        <p:nvSpPr>
+          <p:cNvPr id="7" name="Textfeld 6">
+            <a:extLst>
+              <a:ext uri="{FF2B5EF4-FFF2-40B4-BE49-F238E27FC236}">
+                <a16:creationId xmlns:a16="http://schemas.microsoft.com/office/drawing/2014/main" id="{4453800F-C499-A93A-2643-F3C27D74EC43}"/>
+              </a:ext>
+            </a:extLst>
+          </p:cNvPr>
+          <p:cNvSpPr txBox="1"/>
+          <p:nvPr/>
+        </p:nvSpPr>
+        <p:spPr>
+          <a:xfrm>
+            <a:off x="6697059" y="5538503"/>
+            <a:ext cx="2501202" cy="369332"/>
+          </a:xfrm>
+          <a:prstGeom prst="rect">
+            <a:avLst/>
+          </a:prstGeom>
+          <a:noFill/>
+        </p:spPr>
+        <p:txBody>
+          <a:bodyPr wrap="square" rtlCol="0">
+            <a:spAutoFit/>
+          </a:bodyPr>
+          <a:lstStyle/>
+          <a:p>
+            <a:r>
+              <a:rPr lang="de-DE" dirty="0"/>
+              <a:t>Seite 21</a:t>
+            </a:r>
+          </a:p>
+        </p:txBody>
+      </p:sp>
     </p:spTree>
     <p:extLst>
       <p:ext uri="{BB962C8B-B14F-4D97-AF65-F5344CB8AC3E}">
